--- a/slides.pptx
+++ b/slides.pptx
@@ -108,6 +108,11 @@
       </a:defRPr>
     </a:lvl9pPr>
   </p:defaultTextStyle>
+  <p:extLst>
+    <p:ext uri="{EFAFB233-063F-42B5-8137-9DF3F51BA10A}">
+      <p15:sldGuideLst xmlns:p15="http://schemas.microsoft.com/office/powerpoint/2012/main"/>
+    </p:ext>
+  </p:extLst>
 </p:presentation>
 </file>
 
@@ -267,7 +272,7 @@
           <a:p>
             <a:fld id="{02AC24A9-CCB6-4F8D-B8DB-C2F3692CFA5A}" type="datetimeFigureOut">
               <a:rPr lang="en-US" smtClean="0"/>
-              <a:t>12/21/2020</a:t>
+              <a:t>1/28/2021</a:t>
             </a:fld>
             <a:endParaRPr lang="en-US" dirty="0"/>
           </a:p>
@@ -637,7 +642,7 @@
           <a:p>
             <a:fld id="{02AC24A9-CCB6-4F8D-B8DB-C2F3692CFA5A}" type="datetimeFigureOut">
               <a:rPr lang="en-US" smtClean="0"/>
-              <a:t>12/21/2020</a:t>
+              <a:t>1/28/2021</a:t>
             </a:fld>
             <a:endParaRPr lang="en-US"/>
           </a:p>
@@ -846,7 +851,7 @@
           <a:p>
             <a:fld id="{02AC24A9-CCB6-4F8D-B8DB-C2F3692CFA5A}" type="datetimeFigureOut">
               <a:rPr lang="en-US" smtClean="0"/>
-              <a:t>12/21/2020</a:t>
+              <a:t>1/28/2021</a:t>
             </a:fld>
             <a:endParaRPr lang="en-US"/>
           </a:p>
@@ -1316,7 +1321,7 @@
           <a:p>
             <a:fld id="{02AC24A9-CCB6-4F8D-B8DB-C2F3692CFA5A}" type="datetimeFigureOut">
               <a:rPr lang="en-US" smtClean="0"/>
-              <a:t>12/21/2020</a:t>
+              <a:t>1/28/2021</a:t>
             </a:fld>
             <a:endParaRPr lang="en-US"/>
           </a:p>
@@ -1770,7 +1775,7 @@
           <a:p>
             <a:fld id="{02AC24A9-CCB6-4F8D-B8DB-C2F3692CFA5A}" type="datetimeFigureOut">
               <a:rPr lang="en-US" smtClean="0"/>
-              <a:t>12/21/2020</a:t>
+              <a:t>1/28/2021</a:t>
             </a:fld>
             <a:endParaRPr lang="en-US"/>
           </a:p>
@@ -2302,7 +2307,7 @@
           <a:p>
             <a:fld id="{02AC24A9-CCB6-4F8D-B8DB-C2F3692CFA5A}" type="datetimeFigureOut">
               <a:rPr lang="en-US" smtClean="0"/>
-              <a:t>12/21/2020</a:t>
+              <a:t>1/28/2021</a:t>
             </a:fld>
             <a:endParaRPr lang="en-US"/>
           </a:p>
@@ -3001,7 +3006,7 @@
           <a:p>
             <a:fld id="{02AC24A9-CCB6-4F8D-B8DB-C2F3692CFA5A}" type="datetimeFigureOut">
               <a:rPr lang="en-US" smtClean="0"/>
-              <a:t>12/21/2020</a:t>
+              <a:t>1/28/2021</a:t>
             </a:fld>
             <a:endParaRPr lang="en-US"/>
           </a:p>
@@ -3330,7 +3335,7 @@
           <a:p>
             <a:fld id="{02AC24A9-CCB6-4F8D-B8DB-C2F3692CFA5A}" type="datetimeFigureOut">
               <a:rPr lang="en-US" smtClean="0"/>
-              <a:t>12/21/2020</a:t>
+              <a:t>1/28/2021</a:t>
             </a:fld>
             <a:endParaRPr lang="en-US"/>
           </a:p>
@@ -3443,7 +3448,7 @@
           <a:p>
             <a:fld id="{02AC24A9-CCB6-4F8D-B8DB-C2F3692CFA5A}" type="datetimeFigureOut">
               <a:rPr lang="en-US" smtClean="0"/>
-              <a:t>12/21/2020</a:t>
+              <a:t>1/28/2021</a:t>
             </a:fld>
             <a:endParaRPr lang="en-US"/>
           </a:p>
@@ -3938,7 +3943,7 @@
           <a:p>
             <a:fld id="{02AC24A9-CCB6-4F8D-B8DB-C2F3692CFA5A}" type="datetimeFigureOut">
               <a:rPr lang="en-US" smtClean="0"/>
-              <a:t>12/21/2020</a:t>
+              <a:t>1/28/2021</a:t>
             </a:fld>
             <a:endParaRPr lang="en-US" dirty="0"/>
           </a:p>
@@ -4415,7 +4420,7 @@
           <a:p>
             <a:fld id="{02AC24A9-CCB6-4F8D-B8DB-C2F3692CFA5A}" type="datetimeFigureOut">
               <a:rPr lang="en-US" smtClean="0"/>
-              <a:t>12/21/2020</a:t>
+              <a:t>1/28/2021</a:t>
             </a:fld>
             <a:endParaRPr lang="en-US"/>
           </a:p>
@@ -4658,7 +4663,7 @@
           <a:p>
             <a:fld id="{02AC24A9-CCB6-4F8D-B8DB-C2F3692CFA5A}" type="datetimeFigureOut">
               <a:rPr lang="en-US" smtClean="0"/>
-              <a:t>12/21/2020</a:t>
+              <a:t>1/28/2021</a:t>
             </a:fld>
             <a:endParaRPr lang="en-US"/>
           </a:p>
@@ -5211,12 +5216,6 @@
               <a:t>Roy Yali Samaniego</a:t>
             </a:r>
           </a:p>
-          <a:p>
-            <a:r>
-              <a:rPr lang="es-PE" sz="2000" dirty="0"/>
-              <a:t>Fernando Prudencio Paredes</a:t>
-            </a:r>
-          </a:p>
         </p:txBody>
       </p:sp>
       <p:sp>
@@ -6203,24 +6202,18 @@
               <a:rPr lang="es-PE" dirty="0">
                 <a:hlinkClick r:id="rId2"/>
               </a:rPr>
-              <a:t>https://austriafloodmap.herokuapp.com/map</a:t>
-            </a:r>
-            <a:endParaRPr lang="es-PE" dirty="0"/>
-          </a:p>
-          <a:p>
-            <a:r>
-              <a:rPr lang="es-PE" dirty="0">
-                <a:hlinkClick r:id="rId3"/>
-              </a:rPr>
-              <a:t>https://turbo87.github.io/sidebar-v2/examples/</a:t>
-            </a:r>
-            <a:endParaRPr lang="es-PE" dirty="0"/>
-          </a:p>
-          <a:p>
+              <a:t>https://ryali93.github.io/senamhi_er/index.html</a:t>
+            </a:r>
             <a:r>
               <a:rPr lang="es-PE" dirty="0"/>
               <a:t> </a:t>
             </a:r>
+          </a:p>
+          <a:p>
+            <a:pPr marL="0" indent="0">
+              <a:buNone/>
+            </a:pPr>
+            <a:endParaRPr lang="es-PE" dirty="0"/>
           </a:p>
         </p:txBody>
       </p:sp>

--- a/slides.pptx
+++ b/slides.pptx
@@ -9,7 +9,9 @@
     <p:sldId id="257" r:id="rId3"/>
     <p:sldId id="258" r:id="rId4"/>
     <p:sldId id="259" r:id="rId5"/>
-    <p:sldId id="260" r:id="rId6"/>
+    <p:sldId id="262" r:id="rId6"/>
+    <p:sldId id="261" r:id="rId7"/>
+    <p:sldId id="263" r:id="rId8"/>
   </p:sldIdLst>
   <p:sldSz cx="12192000" cy="6858000"/>
   <p:notesSz cx="6858000" cy="9144000"/>
@@ -272,7 +274,7 @@
           <a:p>
             <a:fld id="{02AC24A9-CCB6-4F8D-B8DB-C2F3692CFA5A}" type="datetimeFigureOut">
               <a:rPr lang="en-US" smtClean="0"/>
-              <a:t>1/28/2021</a:t>
+              <a:t>4/28/2021</a:t>
             </a:fld>
             <a:endParaRPr lang="en-US" dirty="0"/>
           </a:p>
@@ -642,7 +644,7 @@
           <a:p>
             <a:fld id="{02AC24A9-CCB6-4F8D-B8DB-C2F3692CFA5A}" type="datetimeFigureOut">
               <a:rPr lang="en-US" smtClean="0"/>
-              <a:t>1/28/2021</a:t>
+              <a:t>4/28/2021</a:t>
             </a:fld>
             <a:endParaRPr lang="en-US"/>
           </a:p>
@@ -851,7 +853,7 @@
           <a:p>
             <a:fld id="{02AC24A9-CCB6-4F8D-B8DB-C2F3692CFA5A}" type="datetimeFigureOut">
               <a:rPr lang="en-US" smtClean="0"/>
-              <a:t>1/28/2021</a:t>
+              <a:t>4/28/2021</a:t>
             </a:fld>
             <a:endParaRPr lang="en-US"/>
           </a:p>
@@ -1321,7 +1323,7 @@
           <a:p>
             <a:fld id="{02AC24A9-CCB6-4F8D-B8DB-C2F3692CFA5A}" type="datetimeFigureOut">
               <a:rPr lang="en-US" smtClean="0"/>
-              <a:t>1/28/2021</a:t>
+              <a:t>4/28/2021</a:t>
             </a:fld>
             <a:endParaRPr lang="en-US"/>
           </a:p>
@@ -1775,7 +1777,7 @@
           <a:p>
             <a:fld id="{02AC24A9-CCB6-4F8D-B8DB-C2F3692CFA5A}" type="datetimeFigureOut">
               <a:rPr lang="en-US" smtClean="0"/>
-              <a:t>1/28/2021</a:t>
+              <a:t>4/28/2021</a:t>
             </a:fld>
             <a:endParaRPr lang="en-US"/>
           </a:p>
@@ -2307,7 +2309,7 @@
           <a:p>
             <a:fld id="{02AC24A9-CCB6-4F8D-B8DB-C2F3692CFA5A}" type="datetimeFigureOut">
               <a:rPr lang="en-US" smtClean="0"/>
-              <a:t>1/28/2021</a:t>
+              <a:t>4/28/2021</a:t>
             </a:fld>
             <a:endParaRPr lang="en-US"/>
           </a:p>
@@ -3006,7 +3008,7 @@
           <a:p>
             <a:fld id="{02AC24A9-CCB6-4F8D-B8DB-C2F3692CFA5A}" type="datetimeFigureOut">
               <a:rPr lang="en-US" smtClean="0"/>
-              <a:t>1/28/2021</a:t>
+              <a:t>4/28/2021</a:t>
             </a:fld>
             <a:endParaRPr lang="en-US"/>
           </a:p>
@@ -3335,7 +3337,7 @@
           <a:p>
             <a:fld id="{02AC24A9-CCB6-4F8D-B8DB-C2F3692CFA5A}" type="datetimeFigureOut">
               <a:rPr lang="en-US" smtClean="0"/>
-              <a:t>1/28/2021</a:t>
+              <a:t>4/28/2021</a:t>
             </a:fld>
             <a:endParaRPr lang="en-US"/>
           </a:p>
@@ -3448,7 +3450,7 @@
           <a:p>
             <a:fld id="{02AC24A9-CCB6-4F8D-B8DB-C2F3692CFA5A}" type="datetimeFigureOut">
               <a:rPr lang="en-US" smtClean="0"/>
-              <a:t>1/28/2021</a:t>
+              <a:t>4/28/2021</a:t>
             </a:fld>
             <a:endParaRPr lang="en-US"/>
           </a:p>
@@ -3943,7 +3945,7 @@
           <a:p>
             <a:fld id="{02AC24A9-CCB6-4F8D-B8DB-C2F3692CFA5A}" type="datetimeFigureOut">
               <a:rPr lang="en-US" smtClean="0"/>
-              <a:t>1/28/2021</a:t>
+              <a:t>4/28/2021</a:t>
             </a:fld>
             <a:endParaRPr lang="en-US" dirty="0"/>
           </a:p>
@@ -4420,7 +4422,7 @@
           <a:p>
             <a:fld id="{02AC24A9-CCB6-4F8D-B8DB-C2F3692CFA5A}" type="datetimeFigureOut">
               <a:rPr lang="en-US" smtClean="0"/>
-              <a:t>1/28/2021</a:t>
+              <a:t>4/28/2021</a:t>
             </a:fld>
             <a:endParaRPr lang="en-US"/>
           </a:p>
@@ -4663,7 +4665,7 @@
           <a:p>
             <a:fld id="{02AC24A9-CCB6-4F8D-B8DB-C2F3692CFA5A}" type="datetimeFigureOut">
               <a:rPr lang="en-US" smtClean="0"/>
-              <a:t>1/28/2021</a:t>
+              <a:t>4/28/2021</a:t>
             </a:fld>
             <a:endParaRPr lang="en-US"/>
           </a:p>
@@ -5172,14 +5174,15 @@
         </p:spPr>
         <p:txBody>
           <a:bodyPr anchor="b">
-            <a:normAutofit/>
+            <a:noAutofit/>
           </a:bodyPr>
           <a:lstStyle/>
           <a:p>
             <a:r>
-              <a:rPr lang="es-PE" sz="4800" dirty="0"/>
-              <a:t>Aplicación web IDF a nivel nacional</a:t>
-            </a:r>
+              <a:rPr lang="es-MX" sz="3200" dirty="0"/>
+              <a:t>Herramienta Web para el desarrollo de Curvas de Intensidad Duración - Frecuencia</a:t>
+            </a:r>
+            <a:endParaRPr lang="es-PE" sz="3200" dirty="0"/>
           </a:p>
         </p:txBody>
       </p:sp>
@@ -5210,6 +5213,17 @@
             <a:normAutofit/>
           </a:bodyPr>
           <a:lstStyle/>
+          <a:p>
+            <a:r>
+              <a:rPr lang="es-PE" sz="2000" dirty="0"/>
+              <a:t>Fernando </a:t>
+            </a:r>
+            <a:r>
+              <a:rPr lang="es-PE" sz="2000"/>
+              <a:t>Prudencio Paredes</a:t>
+            </a:r>
+            <a:endParaRPr lang="es-PE" sz="2000" dirty="0"/>
+          </a:p>
           <a:p>
             <a:r>
               <a:rPr lang="es-PE" sz="2000" dirty="0"/>
@@ -5881,53 +5895,6 @@
           </a:extLst>
         </p:spPr>
       </p:pic>
-      <p:pic>
-        <p:nvPicPr>
-          <p:cNvPr id="2056" name="Picture 8">
-            <a:extLst>
-              <a:ext uri="{FF2B5EF4-FFF2-40B4-BE49-F238E27FC236}">
-                <a16:creationId xmlns:a16="http://schemas.microsoft.com/office/drawing/2014/main" id="{DD83D1D1-41D8-4E77-ADD0-74270547A734}"/>
-              </a:ext>
-            </a:extLst>
-          </p:cNvPr>
-          <p:cNvPicPr>
-            <a:picLocks noChangeAspect="1" noChangeArrowheads="1"/>
-          </p:cNvPicPr>
-          <p:nvPr/>
-        </p:nvPicPr>
-        <p:blipFill>
-          <a:blip r:embed="rId5">
-            <a:extLst>
-              <a:ext uri="{28A0092B-C50C-407E-A947-70E740481C1C}">
-                <a14:useLocalDpi xmlns:a14="http://schemas.microsoft.com/office/drawing/2010/main" val="0"/>
-              </a:ext>
-            </a:extLst>
-          </a:blip>
-          <a:srcRect/>
-          <a:stretch>
-            <a:fillRect/>
-          </a:stretch>
-        </p:blipFill>
-        <p:spPr bwMode="auto">
-          <a:xfrm>
-            <a:off x="6061750" y="3165373"/>
-            <a:ext cx="1685175" cy="1685175"/>
-          </a:xfrm>
-          <a:prstGeom prst="rect">
-            <a:avLst/>
-          </a:prstGeom>
-          <a:noFill/>
-          <a:extLst>
-            <a:ext uri="{909E8E84-426E-40DD-AFC4-6F175D3DCCD1}">
-              <a14:hiddenFill xmlns:a14="http://schemas.microsoft.com/office/drawing/2010/main">
-                <a:solidFill>
-                  <a:srgbClr val="FFFFFF"/>
-                </a:solidFill>
-              </a14:hiddenFill>
-            </a:ext>
-          </a:extLst>
-        </p:spPr>
-      </p:pic>
       <p:cxnSp>
         <p:nvCxnSpPr>
           <p:cNvPr id="5" name="Conector recto de flecha 4">
@@ -6087,7 +6054,7 @@
           <p:nvPr/>
         </p:nvPicPr>
         <p:blipFill>
-          <a:blip r:embed="rId6">
+          <a:blip r:embed="rId5">
             <a:extLst>
               <a:ext uri="{28A0092B-C50C-407E-A947-70E740481C1C}">
                 <a14:useLocalDpi xmlns:a14="http://schemas.microsoft.com/office/drawing/2010/main" val="0"/>
@@ -6103,6 +6070,53 @@
           <a:xfrm>
             <a:off x="9243314" y="4850548"/>
             <a:ext cx="802159" cy="802159"/>
+          </a:xfrm>
+          <a:prstGeom prst="rect">
+            <a:avLst/>
+          </a:prstGeom>
+          <a:noFill/>
+          <a:extLst>
+            <a:ext uri="{909E8E84-426E-40DD-AFC4-6F175D3DCCD1}">
+              <a14:hiddenFill xmlns:a14="http://schemas.microsoft.com/office/drawing/2010/main">
+                <a:solidFill>
+                  <a:srgbClr val="FFFFFF"/>
+                </a:solidFill>
+              </a14:hiddenFill>
+            </a:ext>
+          </a:extLst>
+        </p:spPr>
+      </p:pic>
+      <p:pic>
+        <p:nvPicPr>
+          <p:cNvPr id="1026" name="Picture 2">
+            <a:extLst>
+              <a:ext uri="{FF2B5EF4-FFF2-40B4-BE49-F238E27FC236}">
+                <a16:creationId xmlns:a16="http://schemas.microsoft.com/office/drawing/2014/main" id="{67AB770B-60A1-4FD1-A8DC-E2B14C5EE72F}"/>
+              </a:ext>
+            </a:extLst>
+          </p:cNvPr>
+          <p:cNvPicPr>
+            <a:picLocks noChangeAspect="1" noChangeArrowheads="1"/>
+          </p:cNvPicPr>
+          <p:nvPr/>
+        </p:nvPicPr>
+        <p:blipFill>
+          <a:blip r:embed="rId6">
+            <a:extLst>
+              <a:ext uri="{28A0092B-C50C-407E-A947-70E740481C1C}">
+                <a14:useLocalDpi xmlns:a14="http://schemas.microsoft.com/office/drawing/2010/main" val="0"/>
+              </a:ext>
+            </a:extLst>
+          </a:blip>
+          <a:srcRect/>
+          <a:stretch>
+            <a:fillRect/>
+          </a:stretch>
+        </p:blipFill>
+        <p:spPr bwMode="auto">
+          <a:xfrm>
+            <a:off x="5338568" y="4062928"/>
+            <a:ext cx="2972150" cy="787620"/>
           </a:xfrm>
           <a:prstGeom prst="rect">
             <a:avLst/>
@@ -6154,7 +6168,7 @@
           <p:cNvPr id="2" name="Título 1">
             <a:extLst>
               <a:ext uri="{FF2B5EF4-FFF2-40B4-BE49-F238E27FC236}">
-                <a16:creationId xmlns:a16="http://schemas.microsoft.com/office/drawing/2014/main" id="{0A71BFC2-4D73-442C-A46F-BC4B2AF867FA}"/>
+                <a16:creationId xmlns:a16="http://schemas.microsoft.com/office/drawing/2014/main" id="{A8098B9B-6608-45B5-989B-54DAB4F84A94}"/>
               </a:ext>
             </a:extLst>
           </p:cNvPr>
@@ -6172,55 +6186,918 @@
           <a:p>
             <a:r>
               <a:rPr lang="es-PE" dirty="0"/>
-              <a:t>Avances</a:t>
-            </a:r>
-          </a:p>
-        </p:txBody>
-      </p:sp>
-      <p:sp>
-        <p:nvSpPr>
-          <p:cNvPr id="3" name="Marcador de contenido 2">
-            <a:extLst>
-              <a:ext uri="{FF2B5EF4-FFF2-40B4-BE49-F238E27FC236}">
-                <a16:creationId xmlns:a16="http://schemas.microsoft.com/office/drawing/2014/main" id="{88FA0952-8BA4-4273-B661-CB225CF1738F}"/>
-              </a:ext>
-            </a:extLst>
-          </p:cNvPr>
-          <p:cNvSpPr>
-            <a:spLocks noGrp="1"/>
-          </p:cNvSpPr>
-          <p:nvPr>
-            <p:ph idx="1"/>
-          </p:nvPr>
-        </p:nvSpPr>
-        <p:spPr/>
-        <p:txBody>
-          <a:bodyPr/>
-          <a:lstStyle/>
-          <a:p>
-            <a:r>
-              <a:rPr lang="es-PE" dirty="0">
+              <a:t>Base de datos (PostgreSQL)</a:t>
+            </a:r>
+          </a:p>
+        </p:txBody>
+      </p:sp>
+      <p:sp>
+        <p:nvSpPr>
+          <p:cNvPr id="13" name="Marcador de contenido 2">
+            <a:extLst>
+              <a:ext uri="{FF2B5EF4-FFF2-40B4-BE49-F238E27FC236}">
+                <a16:creationId xmlns:a16="http://schemas.microsoft.com/office/drawing/2014/main" id="{AE358FF3-0AAF-4C8D-805F-28660C19D4B1}"/>
+              </a:ext>
+            </a:extLst>
+          </p:cNvPr>
+          <p:cNvSpPr txBox="1">
+            <a:spLocks/>
+          </p:cNvSpPr>
+          <p:nvPr/>
+        </p:nvSpPr>
+        <p:spPr>
+          <a:xfrm>
+            <a:off x="4511542" y="6309360"/>
+            <a:ext cx="3376179" cy="387773"/>
+          </a:xfrm>
+          <a:prstGeom prst="rect">
+            <a:avLst/>
+          </a:prstGeom>
+        </p:spPr>
+        <p:txBody>
+          <a:bodyPr vert="horz" lIns="91440" tIns="45720" rIns="91440" bIns="45720" rtlCol="0">
+            <a:normAutofit/>
+          </a:bodyPr>
+          <a:lstStyle>
+            <a:lvl1pPr marL="228600" indent="-228600" algn="l" defTabSz="914400" rtl="0" eaLnBrk="1" latinLnBrk="0" hangingPunct="1">
+              <a:lnSpc>
+                <a:spcPct val="110000"/>
+              </a:lnSpc>
+              <a:spcBef>
+                <a:spcPts val="1000"/>
+              </a:spcBef>
+              <a:buFont typeface="Arial" panose="020B0604020202020204" pitchFamily="34" charset="0"/>
+              <a:buChar char="•"/>
+              <a:defRPr sz="2800" kern="1200">
+                <a:solidFill>
+                  <a:schemeClr val="tx1"/>
+                </a:solidFill>
+                <a:latin typeface="+mn-lt"/>
+                <a:ea typeface="+mn-ea"/>
+                <a:cs typeface="+mn-cs"/>
+              </a:defRPr>
+            </a:lvl1pPr>
+            <a:lvl2pPr marL="685800" indent="-228600" algn="l" defTabSz="914400" rtl="0" eaLnBrk="1" latinLnBrk="0" hangingPunct="1">
+              <a:lnSpc>
+                <a:spcPct val="110000"/>
+              </a:lnSpc>
+              <a:spcBef>
+                <a:spcPts val="500"/>
+              </a:spcBef>
+              <a:buFont typeface="Arial" panose="020B0604020202020204" pitchFamily="34" charset="0"/>
+              <a:buChar char="•"/>
+              <a:defRPr sz="2400" kern="1200">
+                <a:solidFill>
+                  <a:schemeClr val="tx1"/>
+                </a:solidFill>
+                <a:latin typeface="+mn-lt"/>
+                <a:ea typeface="+mn-ea"/>
+                <a:cs typeface="+mn-cs"/>
+              </a:defRPr>
+            </a:lvl2pPr>
+            <a:lvl3pPr marL="1143000" indent="-228600" algn="l" defTabSz="914400" rtl="0" eaLnBrk="1" latinLnBrk="0" hangingPunct="1">
+              <a:lnSpc>
+                <a:spcPct val="110000"/>
+              </a:lnSpc>
+              <a:spcBef>
+                <a:spcPts val="500"/>
+              </a:spcBef>
+              <a:buFont typeface="Arial" panose="020B0604020202020204" pitchFamily="34" charset="0"/>
+              <a:buChar char="•"/>
+              <a:defRPr sz="2000" kern="1200">
+                <a:solidFill>
+                  <a:schemeClr val="tx1"/>
+                </a:solidFill>
+                <a:latin typeface="+mn-lt"/>
+                <a:ea typeface="+mn-ea"/>
+                <a:cs typeface="+mn-cs"/>
+              </a:defRPr>
+            </a:lvl3pPr>
+            <a:lvl4pPr marL="1600200" indent="-228600" algn="l" defTabSz="914400" rtl="0" eaLnBrk="1" latinLnBrk="0" hangingPunct="1">
+              <a:lnSpc>
+                <a:spcPct val="110000"/>
+              </a:lnSpc>
+              <a:spcBef>
+                <a:spcPts val="500"/>
+              </a:spcBef>
+              <a:buFont typeface="Arial" panose="020B0604020202020204" pitchFamily="34" charset="0"/>
+              <a:buChar char="•"/>
+              <a:defRPr sz="1800" kern="1200">
+                <a:solidFill>
+                  <a:schemeClr val="tx1"/>
+                </a:solidFill>
+                <a:latin typeface="+mn-lt"/>
+                <a:ea typeface="+mn-ea"/>
+                <a:cs typeface="+mn-cs"/>
+              </a:defRPr>
+            </a:lvl4pPr>
+            <a:lvl5pPr marL="2057400" indent="-228600" algn="l" defTabSz="914400" rtl="0" eaLnBrk="1" latinLnBrk="0" hangingPunct="1">
+              <a:lnSpc>
+                <a:spcPct val="110000"/>
+              </a:lnSpc>
+              <a:spcBef>
+                <a:spcPts val="500"/>
+              </a:spcBef>
+              <a:buFont typeface="Arial" panose="020B0604020202020204" pitchFamily="34" charset="0"/>
+              <a:buChar char="•"/>
+              <a:defRPr sz="1800" kern="1200">
+                <a:solidFill>
+                  <a:schemeClr val="tx1"/>
+                </a:solidFill>
+                <a:latin typeface="+mn-lt"/>
+                <a:ea typeface="+mn-ea"/>
+                <a:cs typeface="+mn-cs"/>
+              </a:defRPr>
+            </a:lvl5pPr>
+            <a:lvl6pPr marL="2514600" indent="-228600" algn="l" defTabSz="914400" rtl="0" eaLnBrk="1" latinLnBrk="0" hangingPunct="1">
+              <a:lnSpc>
+                <a:spcPct val="90000"/>
+              </a:lnSpc>
+              <a:spcBef>
+                <a:spcPts val="500"/>
+              </a:spcBef>
+              <a:buFont typeface="Arial" panose="020B0604020202020204" pitchFamily="34" charset="0"/>
+              <a:buChar char="•"/>
+              <a:defRPr sz="1800" kern="1200">
+                <a:solidFill>
+                  <a:schemeClr val="tx1"/>
+                </a:solidFill>
+                <a:latin typeface="+mn-lt"/>
+                <a:ea typeface="+mn-ea"/>
+                <a:cs typeface="+mn-cs"/>
+              </a:defRPr>
+            </a:lvl6pPr>
+            <a:lvl7pPr marL="2971800" indent="-228600" algn="l" defTabSz="914400" rtl="0" eaLnBrk="1" latinLnBrk="0" hangingPunct="1">
+              <a:lnSpc>
+                <a:spcPct val="90000"/>
+              </a:lnSpc>
+              <a:spcBef>
+                <a:spcPts val="500"/>
+              </a:spcBef>
+              <a:buFont typeface="Arial" panose="020B0604020202020204" pitchFamily="34" charset="0"/>
+              <a:buChar char="•"/>
+              <a:defRPr sz="1800" kern="1200">
+                <a:solidFill>
+                  <a:schemeClr val="tx1"/>
+                </a:solidFill>
+                <a:latin typeface="+mn-lt"/>
+                <a:ea typeface="+mn-ea"/>
+                <a:cs typeface="+mn-cs"/>
+              </a:defRPr>
+            </a:lvl7pPr>
+            <a:lvl8pPr marL="3429000" indent="-228600" algn="l" defTabSz="914400" rtl="0" eaLnBrk="1" latinLnBrk="0" hangingPunct="1">
+              <a:lnSpc>
+                <a:spcPct val="90000"/>
+              </a:lnSpc>
+              <a:spcBef>
+                <a:spcPts val="500"/>
+              </a:spcBef>
+              <a:buFont typeface="Arial" panose="020B0604020202020204" pitchFamily="34" charset="0"/>
+              <a:buChar char="•"/>
+              <a:defRPr sz="1800" kern="1200">
+                <a:solidFill>
+                  <a:schemeClr val="tx1"/>
+                </a:solidFill>
+                <a:latin typeface="+mn-lt"/>
+                <a:ea typeface="+mn-ea"/>
+                <a:cs typeface="+mn-cs"/>
+              </a:defRPr>
+            </a:lvl8pPr>
+            <a:lvl9pPr marL="3886200" indent="-228600" algn="l" defTabSz="914400" rtl="0" eaLnBrk="1" latinLnBrk="0" hangingPunct="1">
+              <a:lnSpc>
+                <a:spcPct val="90000"/>
+              </a:lnSpc>
+              <a:spcBef>
+                <a:spcPts val="500"/>
+              </a:spcBef>
+              <a:buFont typeface="Arial" panose="020B0604020202020204" pitchFamily="34" charset="0"/>
+              <a:buChar char="•"/>
+              <a:defRPr sz="1800" kern="1200">
+                <a:solidFill>
+                  <a:schemeClr val="tx1"/>
+                </a:solidFill>
+                <a:latin typeface="+mn-lt"/>
+                <a:ea typeface="+mn-ea"/>
+                <a:cs typeface="+mn-cs"/>
+              </a:defRPr>
+            </a:lvl9pPr>
+          </a:lstStyle>
+          <a:p>
+            <a:pPr marL="0" indent="0">
+              <a:buNone/>
+            </a:pPr>
+            <a:r>
+              <a:rPr lang="es-PE" sz="1600" dirty="0">
                 <a:hlinkClick r:id="rId2"/>
               </a:rPr>
-              <a:t>https://ryali93.github.io/senamhi_er/index.html</a:t>
-            </a:r>
-            <a:r>
-              <a:rPr lang="es-PE" dirty="0"/>
+              <a:t>http://127.0.0.1:51418/browser/</a:t>
+            </a:r>
+            <a:r>
+              <a:rPr lang="es-PE" sz="1600" dirty="0"/>
               <a:t> </a:t>
             </a:r>
           </a:p>
-          <a:p>
-            <a:pPr marL="0" indent="0">
-              <a:buNone/>
-            </a:pPr>
-            <a:endParaRPr lang="es-PE" dirty="0"/>
-          </a:p>
-        </p:txBody>
-      </p:sp>
+        </p:txBody>
+      </p:sp>
+      <p:pic>
+        <p:nvPicPr>
+          <p:cNvPr id="15" name="Imagen 14">
+            <a:extLst>
+              <a:ext uri="{FF2B5EF4-FFF2-40B4-BE49-F238E27FC236}">
+                <a16:creationId xmlns:a16="http://schemas.microsoft.com/office/drawing/2014/main" id="{C56A4D6A-B1DD-463B-B914-82D7051BDB4C}"/>
+              </a:ext>
+            </a:extLst>
+          </p:cNvPr>
+          <p:cNvPicPr>
+            <a:picLocks noChangeAspect="1"/>
+          </p:cNvPicPr>
+          <p:nvPr/>
+        </p:nvPicPr>
+        <p:blipFill>
+          <a:blip r:embed="rId3"/>
+          <a:stretch>
+            <a:fillRect/>
+          </a:stretch>
+        </p:blipFill>
+        <p:spPr>
+          <a:xfrm>
+            <a:off x="3081837" y="1728216"/>
+            <a:ext cx="6028326" cy="4581144"/>
+          </a:xfrm>
+          <a:prstGeom prst="rect">
+            <a:avLst/>
+          </a:prstGeom>
+        </p:spPr>
+      </p:pic>
     </p:spTree>
     <p:extLst>
       <p:ext uri="{BB962C8B-B14F-4D97-AF65-F5344CB8AC3E}">
-        <p14:creationId xmlns:p14="http://schemas.microsoft.com/office/powerpoint/2010/main" val="3890425539"/>
+        <p14:creationId xmlns:p14="http://schemas.microsoft.com/office/powerpoint/2010/main" val="1715224130"/>
+      </p:ext>
+    </p:extLst>
+  </p:cSld>
+  <p:clrMapOvr>
+    <a:masterClrMapping/>
+  </p:clrMapOvr>
+</p:sld>
+</file>
+
+<file path=ppt/slides/slide6.xml><?xml version="1.0" encoding="utf-8"?>
+<p:sld xmlns:a="http://schemas.openxmlformats.org/drawingml/2006/main" xmlns:r="http://schemas.openxmlformats.org/officeDocument/2006/relationships" xmlns:p="http://schemas.openxmlformats.org/presentationml/2006/main">
+  <p:cSld>
+    <p:spTree>
+      <p:nvGrpSpPr>
+        <p:cNvPr id="1" name=""/>
+        <p:cNvGrpSpPr/>
+        <p:nvPr/>
+      </p:nvGrpSpPr>
+      <p:grpSpPr>
+        <a:xfrm>
+          <a:off x="0" y="0"/>
+          <a:ext cx="0" cy="0"/>
+          <a:chOff x="0" y="0"/>
+          <a:chExt cx="0" cy="0"/>
+        </a:xfrm>
+      </p:grpSpPr>
+      <p:sp>
+        <p:nvSpPr>
+          <p:cNvPr id="2" name="Título 1">
+            <a:extLst>
+              <a:ext uri="{FF2B5EF4-FFF2-40B4-BE49-F238E27FC236}">
+                <a16:creationId xmlns:a16="http://schemas.microsoft.com/office/drawing/2014/main" id="{A387D2D0-AFBA-49EC-80DE-E20D87842475}"/>
+              </a:ext>
+            </a:extLst>
+          </p:cNvPr>
+          <p:cNvSpPr>
+            <a:spLocks noGrp="1"/>
+          </p:cNvSpPr>
+          <p:nvPr>
+            <p:ph type="title"/>
+          </p:nvPr>
+        </p:nvSpPr>
+        <p:spPr/>
+        <p:txBody>
+          <a:bodyPr/>
+          <a:lstStyle/>
+          <a:p>
+            <a:r>
+              <a:rPr lang="es-PE" dirty="0"/>
+              <a:t>Gestor de servicios (</a:t>
+            </a:r>
+            <a:r>
+              <a:rPr lang="es-PE" dirty="0" err="1"/>
+              <a:t>Geoserver</a:t>
+            </a:r>
+            <a:r>
+              <a:rPr lang="es-PE" dirty="0"/>
+              <a:t>)</a:t>
+            </a:r>
+          </a:p>
+        </p:txBody>
+      </p:sp>
+      <p:pic>
+        <p:nvPicPr>
+          <p:cNvPr id="5" name="Marcador de contenido 4">
+            <a:extLst>
+              <a:ext uri="{FF2B5EF4-FFF2-40B4-BE49-F238E27FC236}">
+                <a16:creationId xmlns:a16="http://schemas.microsoft.com/office/drawing/2014/main" id="{2BE6DB82-2A0A-4D8A-B4E1-D11C0D479A2D}"/>
+              </a:ext>
+            </a:extLst>
+          </p:cNvPr>
+          <p:cNvPicPr>
+            <a:picLocks noGrp="1" noChangeAspect="1"/>
+          </p:cNvPicPr>
+          <p:nvPr>
+            <p:ph idx="1"/>
+          </p:nvPr>
+        </p:nvPicPr>
+        <p:blipFill rotWithShape="1">
+          <a:blip r:embed="rId2"/>
+          <a:srcRect r="50000"/>
+          <a:stretch/>
+        </p:blipFill>
+        <p:spPr>
+          <a:xfrm>
+            <a:off x="6096000" y="1728216"/>
+            <a:ext cx="4272450" cy="4621994"/>
+          </a:xfrm>
+        </p:spPr>
+      </p:pic>
+      <p:sp>
+        <p:nvSpPr>
+          <p:cNvPr id="6" name="Marcador de contenido 2">
+            <a:extLst>
+              <a:ext uri="{FF2B5EF4-FFF2-40B4-BE49-F238E27FC236}">
+                <a16:creationId xmlns:a16="http://schemas.microsoft.com/office/drawing/2014/main" id="{940AB07D-ED02-4AEA-AFC6-FB2251999615}"/>
+              </a:ext>
+            </a:extLst>
+          </p:cNvPr>
+          <p:cNvSpPr txBox="1">
+            <a:spLocks/>
+          </p:cNvSpPr>
+          <p:nvPr/>
+        </p:nvSpPr>
+        <p:spPr>
+          <a:xfrm>
+            <a:off x="6077046" y="6309360"/>
+            <a:ext cx="4546600" cy="387773"/>
+          </a:xfrm>
+          <a:prstGeom prst="rect">
+            <a:avLst/>
+          </a:prstGeom>
+        </p:spPr>
+        <p:txBody>
+          <a:bodyPr vert="horz" lIns="91440" tIns="45720" rIns="91440" bIns="45720" rtlCol="0">
+            <a:noAutofit/>
+          </a:bodyPr>
+          <a:lstStyle>
+            <a:lvl1pPr marL="228600" indent="-228600" algn="l" defTabSz="914400" rtl="0" eaLnBrk="1" latinLnBrk="0" hangingPunct="1">
+              <a:lnSpc>
+                <a:spcPct val="110000"/>
+              </a:lnSpc>
+              <a:spcBef>
+                <a:spcPts val="1000"/>
+              </a:spcBef>
+              <a:buFont typeface="Arial" panose="020B0604020202020204" pitchFamily="34" charset="0"/>
+              <a:buChar char="•"/>
+              <a:defRPr sz="2800" kern="1200">
+                <a:solidFill>
+                  <a:schemeClr val="tx1"/>
+                </a:solidFill>
+                <a:latin typeface="+mn-lt"/>
+                <a:ea typeface="+mn-ea"/>
+                <a:cs typeface="+mn-cs"/>
+              </a:defRPr>
+            </a:lvl1pPr>
+            <a:lvl2pPr marL="685800" indent="-228600" algn="l" defTabSz="914400" rtl="0" eaLnBrk="1" latinLnBrk="0" hangingPunct="1">
+              <a:lnSpc>
+                <a:spcPct val="110000"/>
+              </a:lnSpc>
+              <a:spcBef>
+                <a:spcPts val="500"/>
+              </a:spcBef>
+              <a:buFont typeface="Arial" panose="020B0604020202020204" pitchFamily="34" charset="0"/>
+              <a:buChar char="•"/>
+              <a:defRPr sz="2400" kern="1200">
+                <a:solidFill>
+                  <a:schemeClr val="tx1"/>
+                </a:solidFill>
+                <a:latin typeface="+mn-lt"/>
+                <a:ea typeface="+mn-ea"/>
+                <a:cs typeface="+mn-cs"/>
+              </a:defRPr>
+            </a:lvl2pPr>
+            <a:lvl3pPr marL="1143000" indent="-228600" algn="l" defTabSz="914400" rtl="0" eaLnBrk="1" latinLnBrk="0" hangingPunct="1">
+              <a:lnSpc>
+                <a:spcPct val="110000"/>
+              </a:lnSpc>
+              <a:spcBef>
+                <a:spcPts val="500"/>
+              </a:spcBef>
+              <a:buFont typeface="Arial" panose="020B0604020202020204" pitchFamily="34" charset="0"/>
+              <a:buChar char="•"/>
+              <a:defRPr sz="2000" kern="1200">
+                <a:solidFill>
+                  <a:schemeClr val="tx1"/>
+                </a:solidFill>
+                <a:latin typeface="+mn-lt"/>
+                <a:ea typeface="+mn-ea"/>
+                <a:cs typeface="+mn-cs"/>
+              </a:defRPr>
+            </a:lvl3pPr>
+            <a:lvl4pPr marL="1600200" indent="-228600" algn="l" defTabSz="914400" rtl="0" eaLnBrk="1" latinLnBrk="0" hangingPunct="1">
+              <a:lnSpc>
+                <a:spcPct val="110000"/>
+              </a:lnSpc>
+              <a:spcBef>
+                <a:spcPts val="500"/>
+              </a:spcBef>
+              <a:buFont typeface="Arial" panose="020B0604020202020204" pitchFamily="34" charset="0"/>
+              <a:buChar char="•"/>
+              <a:defRPr sz="1800" kern="1200">
+                <a:solidFill>
+                  <a:schemeClr val="tx1"/>
+                </a:solidFill>
+                <a:latin typeface="+mn-lt"/>
+                <a:ea typeface="+mn-ea"/>
+                <a:cs typeface="+mn-cs"/>
+              </a:defRPr>
+            </a:lvl4pPr>
+            <a:lvl5pPr marL="2057400" indent="-228600" algn="l" defTabSz="914400" rtl="0" eaLnBrk="1" latinLnBrk="0" hangingPunct="1">
+              <a:lnSpc>
+                <a:spcPct val="110000"/>
+              </a:lnSpc>
+              <a:spcBef>
+                <a:spcPts val="500"/>
+              </a:spcBef>
+              <a:buFont typeface="Arial" panose="020B0604020202020204" pitchFamily="34" charset="0"/>
+              <a:buChar char="•"/>
+              <a:defRPr sz="1800" kern="1200">
+                <a:solidFill>
+                  <a:schemeClr val="tx1"/>
+                </a:solidFill>
+                <a:latin typeface="+mn-lt"/>
+                <a:ea typeface="+mn-ea"/>
+                <a:cs typeface="+mn-cs"/>
+              </a:defRPr>
+            </a:lvl5pPr>
+            <a:lvl6pPr marL="2514600" indent="-228600" algn="l" defTabSz="914400" rtl="0" eaLnBrk="1" latinLnBrk="0" hangingPunct="1">
+              <a:lnSpc>
+                <a:spcPct val="90000"/>
+              </a:lnSpc>
+              <a:spcBef>
+                <a:spcPts val="500"/>
+              </a:spcBef>
+              <a:buFont typeface="Arial" panose="020B0604020202020204" pitchFamily="34" charset="0"/>
+              <a:buChar char="•"/>
+              <a:defRPr sz="1800" kern="1200">
+                <a:solidFill>
+                  <a:schemeClr val="tx1"/>
+                </a:solidFill>
+                <a:latin typeface="+mn-lt"/>
+                <a:ea typeface="+mn-ea"/>
+                <a:cs typeface="+mn-cs"/>
+              </a:defRPr>
+            </a:lvl6pPr>
+            <a:lvl7pPr marL="2971800" indent="-228600" algn="l" defTabSz="914400" rtl="0" eaLnBrk="1" latinLnBrk="0" hangingPunct="1">
+              <a:lnSpc>
+                <a:spcPct val="90000"/>
+              </a:lnSpc>
+              <a:spcBef>
+                <a:spcPts val="500"/>
+              </a:spcBef>
+              <a:buFont typeface="Arial" panose="020B0604020202020204" pitchFamily="34" charset="0"/>
+              <a:buChar char="•"/>
+              <a:defRPr sz="1800" kern="1200">
+                <a:solidFill>
+                  <a:schemeClr val="tx1"/>
+                </a:solidFill>
+                <a:latin typeface="+mn-lt"/>
+                <a:ea typeface="+mn-ea"/>
+                <a:cs typeface="+mn-cs"/>
+              </a:defRPr>
+            </a:lvl7pPr>
+            <a:lvl8pPr marL="3429000" indent="-228600" algn="l" defTabSz="914400" rtl="0" eaLnBrk="1" latinLnBrk="0" hangingPunct="1">
+              <a:lnSpc>
+                <a:spcPct val="90000"/>
+              </a:lnSpc>
+              <a:spcBef>
+                <a:spcPts val="500"/>
+              </a:spcBef>
+              <a:buFont typeface="Arial" panose="020B0604020202020204" pitchFamily="34" charset="0"/>
+              <a:buChar char="•"/>
+              <a:defRPr sz="1800" kern="1200">
+                <a:solidFill>
+                  <a:schemeClr val="tx1"/>
+                </a:solidFill>
+                <a:latin typeface="+mn-lt"/>
+                <a:ea typeface="+mn-ea"/>
+                <a:cs typeface="+mn-cs"/>
+              </a:defRPr>
+            </a:lvl8pPr>
+            <a:lvl9pPr marL="3886200" indent="-228600" algn="l" defTabSz="914400" rtl="0" eaLnBrk="1" latinLnBrk="0" hangingPunct="1">
+              <a:lnSpc>
+                <a:spcPct val="90000"/>
+              </a:lnSpc>
+              <a:spcBef>
+                <a:spcPts val="500"/>
+              </a:spcBef>
+              <a:buFont typeface="Arial" panose="020B0604020202020204" pitchFamily="34" charset="0"/>
+              <a:buChar char="•"/>
+              <a:defRPr sz="1800" kern="1200">
+                <a:solidFill>
+                  <a:schemeClr val="tx1"/>
+                </a:solidFill>
+                <a:latin typeface="+mn-lt"/>
+                <a:ea typeface="+mn-ea"/>
+                <a:cs typeface="+mn-cs"/>
+              </a:defRPr>
+            </a:lvl9pPr>
+          </a:lstStyle>
+          <a:p>
+            <a:pPr marL="0" indent="0">
+              <a:buFont typeface="Arial" panose="020B0604020202020204" pitchFamily="34" charset="0"/>
+              <a:buNone/>
+            </a:pPr>
+            <a:r>
+              <a:rPr lang="es-PE" sz="1400" dirty="0">
+                <a:hlinkClick r:id="rId3"/>
+              </a:rPr>
+              <a:t>https://idesep.senamhi.gob.pe/geoserver/web</a:t>
+            </a:r>
+            <a:endParaRPr lang="es-PE" sz="1400" dirty="0"/>
+          </a:p>
+        </p:txBody>
+      </p:sp>
+      <p:sp>
+        <p:nvSpPr>
+          <p:cNvPr id="8" name="Marcador de contenido 2">
+            <a:extLst>
+              <a:ext uri="{FF2B5EF4-FFF2-40B4-BE49-F238E27FC236}">
+                <a16:creationId xmlns:a16="http://schemas.microsoft.com/office/drawing/2014/main" id="{B1751C4B-00FF-41AF-B127-8ADCF31BBB84}"/>
+              </a:ext>
+            </a:extLst>
+          </p:cNvPr>
+          <p:cNvSpPr txBox="1">
+            <a:spLocks/>
+          </p:cNvSpPr>
+          <p:nvPr/>
+        </p:nvSpPr>
+        <p:spPr>
+          <a:xfrm>
+            <a:off x="1568354" y="6309360"/>
+            <a:ext cx="4631278" cy="387773"/>
+          </a:xfrm>
+          <a:prstGeom prst="rect">
+            <a:avLst/>
+          </a:prstGeom>
+        </p:spPr>
+        <p:txBody>
+          <a:bodyPr vert="horz" lIns="91440" tIns="45720" rIns="91440" bIns="45720" rtlCol="0">
+            <a:normAutofit/>
+          </a:bodyPr>
+          <a:lstStyle>
+            <a:lvl1pPr marL="228600" indent="-228600" algn="l" defTabSz="914400" rtl="0" eaLnBrk="1" latinLnBrk="0" hangingPunct="1">
+              <a:lnSpc>
+                <a:spcPct val="110000"/>
+              </a:lnSpc>
+              <a:spcBef>
+                <a:spcPts val="1000"/>
+              </a:spcBef>
+              <a:buFont typeface="Arial" panose="020B0604020202020204" pitchFamily="34" charset="0"/>
+              <a:buChar char="•"/>
+              <a:defRPr sz="2800" kern="1200">
+                <a:solidFill>
+                  <a:schemeClr val="tx1"/>
+                </a:solidFill>
+                <a:latin typeface="+mn-lt"/>
+                <a:ea typeface="+mn-ea"/>
+                <a:cs typeface="+mn-cs"/>
+              </a:defRPr>
+            </a:lvl1pPr>
+            <a:lvl2pPr marL="685800" indent="-228600" algn="l" defTabSz="914400" rtl="0" eaLnBrk="1" latinLnBrk="0" hangingPunct="1">
+              <a:lnSpc>
+                <a:spcPct val="110000"/>
+              </a:lnSpc>
+              <a:spcBef>
+                <a:spcPts val="500"/>
+              </a:spcBef>
+              <a:buFont typeface="Arial" panose="020B0604020202020204" pitchFamily="34" charset="0"/>
+              <a:buChar char="•"/>
+              <a:defRPr sz="2400" kern="1200">
+                <a:solidFill>
+                  <a:schemeClr val="tx1"/>
+                </a:solidFill>
+                <a:latin typeface="+mn-lt"/>
+                <a:ea typeface="+mn-ea"/>
+                <a:cs typeface="+mn-cs"/>
+              </a:defRPr>
+            </a:lvl2pPr>
+            <a:lvl3pPr marL="1143000" indent="-228600" algn="l" defTabSz="914400" rtl="0" eaLnBrk="1" latinLnBrk="0" hangingPunct="1">
+              <a:lnSpc>
+                <a:spcPct val="110000"/>
+              </a:lnSpc>
+              <a:spcBef>
+                <a:spcPts val="500"/>
+              </a:spcBef>
+              <a:buFont typeface="Arial" panose="020B0604020202020204" pitchFamily="34" charset="0"/>
+              <a:buChar char="•"/>
+              <a:defRPr sz="2000" kern="1200">
+                <a:solidFill>
+                  <a:schemeClr val="tx1"/>
+                </a:solidFill>
+                <a:latin typeface="+mn-lt"/>
+                <a:ea typeface="+mn-ea"/>
+                <a:cs typeface="+mn-cs"/>
+              </a:defRPr>
+            </a:lvl3pPr>
+            <a:lvl4pPr marL="1600200" indent="-228600" algn="l" defTabSz="914400" rtl="0" eaLnBrk="1" latinLnBrk="0" hangingPunct="1">
+              <a:lnSpc>
+                <a:spcPct val="110000"/>
+              </a:lnSpc>
+              <a:spcBef>
+                <a:spcPts val="500"/>
+              </a:spcBef>
+              <a:buFont typeface="Arial" panose="020B0604020202020204" pitchFamily="34" charset="0"/>
+              <a:buChar char="•"/>
+              <a:defRPr sz="1800" kern="1200">
+                <a:solidFill>
+                  <a:schemeClr val="tx1"/>
+                </a:solidFill>
+                <a:latin typeface="+mn-lt"/>
+                <a:ea typeface="+mn-ea"/>
+                <a:cs typeface="+mn-cs"/>
+              </a:defRPr>
+            </a:lvl4pPr>
+            <a:lvl5pPr marL="2057400" indent="-228600" algn="l" defTabSz="914400" rtl="0" eaLnBrk="1" latinLnBrk="0" hangingPunct="1">
+              <a:lnSpc>
+                <a:spcPct val="110000"/>
+              </a:lnSpc>
+              <a:spcBef>
+                <a:spcPts val="500"/>
+              </a:spcBef>
+              <a:buFont typeface="Arial" panose="020B0604020202020204" pitchFamily="34" charset="0"/>
+              <a:buChar char="•"/>
+              <a:defRPr sz="1800" kern="1200">
+                <a:solidFill>
+                  <a:schemeClr val="tx1"/>
+                </a:solidFill>
+                <a:latin typeface="+mn-lt"/>
+                <a:ea typeface="+mn-ea"/>
+                <a:cs typeface="+mn-cs"/>
+              </a:defRPr>
+            </a:lvl5pPr>
+            <a:lvl6pPr marL="2514600" indent="-228600" algn="l" defTabSz="914400" rtl="0" eaLnBrk="1" latinLnBrk="0" hangingPunct="1">
+              <a:lnSpc>
+                <a:spcPct val="90000"/>
+              </a:lnSpc>
+              <a:spcBef>
+                <a:spcPts val="500"/>
+              </a:spcBef>
+              <a:buFont typeface="Arial" panose="020B0604020202020204" pitchFamily="34" charset="0"/>
+              <a:buChar char="•"/>
+              <a:defRPr sz="1800" kern="1200">
+                <a:solidFill>
+                  <a:schemeClr val="tx1"/>
+                </a:solidFill>
+                <a:latin typeface="+mn-lt"/>
+                <a:ea typeface="+mn-ea"/>
+                <a:cs typeface="+mn-cs"/>
+              </a:defRPr>
+            </a:lvl6pPr>
+            <a:lvl7pPr marL="2971800" indent="-228600" algn="l" defTabSz="914400" rtl="0" eaLnBrk="1" latinLnBrk="0" hangingPunct="1">
+              <a:lnSpc>
+                <a:spcPct val="90000"/>
+              </a:lnSpc>
+              <a:spcBef>
+                <a:spcPts val="500"/>
+              </a:spcBef>
+              <a:buFont typeface="Arial" panose="020B0604020202020204" pitchFamily="34" charset="0"/>
+              <a:buChar char="•"/>
+              <a:defRPr sz="1800" kern="1200">
+                <a:solidFill>
+                  <a:schemeClr val="tx1"/>
+                </a:solidFill>
+                <a:latin typeface="+mn-lt"/>
+                <a:ea typeface="+mn-ea"/>
+                <a:cs typeface="+mn-cs"/>
+              </a:defRPr>
+            </a:lvl7pPr>
+            <a:lvl8pPr marL="3429000" indent="-228600" algn="l" defTabSz="914400" rtl="0" eaLnBrk="1" latinLnBrk="0" hangingPunct="1">
+              <a:lnSpc>
+                <a:spcPct val="90000"/>
+              </a:lnSpc>
+              <a:spcBef>
+                <a:spcPts val="500"/>
+              </a:spcBef>
+              <a:buFont typeface="Arial" panose="020B0604020202020204" pitchFamily="34" charset="0"/>
+              <a:buChar char="•"/>
+              <a:defRPr sz="1800" kern="1200">
+                <a:solidFill>
+                  <a:schemeClr val="tx1"/>
+                </a:solidFill>
+                <a:latin typeface="+mn-lt"/>
+                <a:ea typeface="+mn-ea"/>
+                <a:cs typeface="+mn-cs"/>
+              </a:defRPr>
+            </a:lvl8pPr>
+            <a:lvl9pPr marL="3886200" indent="-228600" algn="l" defTabSz="914400" rtl="0" eaLnBrk="1" latinLnBrk="0" hangingPunct="1">
+              <a:lnSpc>
+                <a:spcPct val="90000"/>
+              </a:lnSpc>
+              <a:spcBef>
+                <a:spcPts val="500"/>
+              </a:spcBef>
+              <a:buFont typeface="Arial" panose="020B0604020202020204" pitchFamily="34" charset="0"/>
+              <a:buChar char="•"/>
+              <a:defRPr sz="1800" kern="1200">
+                <a:solidFill>
+                  <a:schemeClr val="tx1"/>
+                </a:solidFill>
+                <a:latin typeface="+mn-lt"/>
+                <a:ea typeface="+mn-ea"/>
+                <a:cs typeface="+mn-cs"/>
+              </a:defRPr>
+            </a:lvl9pPr>
+          </a:lstStyle>
+          <a:p>
+            <a:pPr marL="0" indent="0">
+              <a:buNone/>
+            </a:pPr>
+            <a:r>
+              <a:rPr lang="es-PE" sz="1400" dirty="0">
+                <a:hlinkClick r:id="rId4"/>
+              </a:rPr>
+              <a:t>http://localhost:8080/geoserver/web/</a:t>
+            </a:r>
+            <a:r>
+              <a:rPr lang="es-PE" sz="1400" dirty="0"/>
+              <a:t> </a:t>
+            </a:r>
+          </a:p>
+        </p:txBody>
+      </p:sp>
+      <p:pic>
+        <p:nvPicPr>
+          <p:cNvPr id="9" name="Marcador de contenido 4">
+            <a:extLst>
+              <a:ext uri="{FF2B5EF4-FFF2-40B4-BE49-F238E27FC236}">
+                <a16:creationId xmlns:a16="http://schemas.microsoft.com/office/drawing/2014/main" id="{F1F514FB-8E7D-4547-AFEE-72940F8D9820}"/>
+              </a:ext>
+            </a:extLst>
+          </p:cNvPr>
+          <p:cNvPicPr>
+            <a:picLocks noChangeAspect="1"/>
+          </p:cNvPicPr>
+          <p:nvPr/>
+        </p:nvPicPr>
+        <p:blipFill rotWithShape="1">
+          <a:blip r:embed="rId2"/>
+          <a:srcRect l="50292"/>
+          <a:stretch/>
+        </p:blipFill>
+        <p:spPr>
+          <a:xfrm>
+            <a:off x="1568354" y="1709648"/>
+            <a:ext cx="4247472" cy="4621994"/>
+          </a:xfrm>
+          <a:prstGeom prst="rect">
+            <a:avLst/>
+          </a:prstGeom>
+        </p:spPr>
+      </p:pic>
+    </p:spTree>
+    <p:extLst>
+      <p:ext uri="{BB962C8B-B14F-4D97-AF65-F5344CB8AC3E}">
+        <p14:creationId xmlns:p14="http://schemas.microsoft.com/office/powerpoint/2010/main" val="1893677068"/>
+      </p:ext>
+    </p:extLst>
+  </p:cSld>
+  <p:clrMapOvr>
+    <a:masterClrMapping/>
+  </p:clrMapOvr>
+</p:sld>
+</file>
+
+<file path=ppt/slides/slide7.xml><?xml version="1.0" encoding="utf-8"?>
+<p:sld xmlns:a="http://schemas.openxmlformats.org/drawingml/2006/main" xmlns:r="http://schemas.openxmlformats.org/officeDocument/2006/relationships" xmlns:p="http://schemas.openxmlformats.org/presentationml/2006/main">
+  <p:cSld>
+    <p:spTree>
+      <p:nvGrpSpPr>
+        <p:cNvPr id="1" name=""/>
+        <p:cNvGrpSpPr/>
+        <p:nvPr/>
+      </p:nvGrpSpPr>
+      <p:grpSpPr>
+        <a:xfrm>
+          <a:off x="0" y="0"/>
+          <a:ext cx="0" cy="0"/>
+          <a:chOff x="0" y="0"/>
+          <a:chExt cx="0" cy="0"/>
+        </a:xfrm>
+      </p:grpSpPr>
+      <p:sp>
+        <p:nvSpPr>
+          <p:cNvPr id="2" name="Título 1">
+            <a:extLst>
+              <a:ext uri="{FF2B5EF4-FFF2-40B4-BE49-F238E27FC236}">
+                <a16:creationId xmlns:a16="http://schemas.microsoft.com/office/drawing/2014/main" id="{8FADCEFB-CD21-4B55-9856-A415A34C7FEF}"/>
+              </a:ext>
+            </a:extLst>
+          </p:cNvPr>
+          <p:cNvSpPr>
+            <a:spLocks noGrp="1"/>
+          </p:cNvSpPr>
+          <p:nvPr>
+            <p:ph type="title"/>
+          </p:nvPr>
+        </p:nvSpPr>
+        <p:spPr/>
+        <p:txBody>
+          <a:bodyPr/>
+          <a:lstStyle/>
+          <a:p>
+            <a:r>
+              <a:rPr lang="es-PE" dirty="0"/>
+              <a:t>Aplicación</a:t>
+            </a:r>
+          </a:p>
+        </p:txBody>
+      </p:sp>
+      <p:pic>
+        <p:nvPicPr>
+          <p:cNvPr id="5" name="Marcador de contenido 4">
+            <a:extLst>
+              <a:ext uri="{FF2B5EF4-FFF2-40B4-BE49-F238E27FC236}">
+                <a16:creationId xmlns:a16="http://schemas.microsoft.com/office/drawing/2014/main" id="{248A855A-1B6F-4157-A4CF-E36588B43C84}"/>
+              </a:ext>
+            </a:extLst>
+          </p:cNvPr>
+          <p:cNvPicPr>
+            <a:picLocks noGrp="1" noChangeAspect="1"/>
+          </p:cNvPicPr>
+          <p:nvPr>
+            <p:ph idx="1"/>
+          </p:nvPr>
+        </p:nvPicPr>
+        <p:blipFill>
+          <a:blip r:embed="rId2"/>
+          <a:stretch>
+            <a:fillRect/>
+          </a:stretch>
+        </p:blipFill>
+        <p:spPr>
+          <a:xfrm>
+            <a:off x="1879632" y="1791153"/>
+            <a:ext cx="8640000" cy="4518207"/>
+          </a:xfrm>
+        </p:spPr>
+      </p:pic>
+      <p:sp>
+        <p:nvSpPr>
+          <p:cNvPr id="7" name="CuadroTexto 6">
+            <a:extLst>
+              <a:ext uri="{FF2B5EF4-FFF2-40B4-BE49-F238E27FC236}">
+                <a16:creationId xmlns:a16="http://schemas.microsoft.com/office/drawing/2014/main" id="{C838A297-FF8B-417C-87DC-8D773BF3F459}"/>
+              </a:ext>
+            </a:extLst>
+          </p:cNvPr>
+          <p:cNvSpPr txBox="1"/>
+          <p:nvPr/>
+        </p:nvSpPr>
+        <p:spPr>
+          <a:xfrm>
+            <a:off x="4038600" y="6309360"/>
+            <a:ext cx="6096000" cy="369332"/>
+          </a:xfrm>
+          <a:prstGeom prst="rect">
+            <a:avLst/>
+          </a:prstGeom>
+          <a:noFill/>
+        </p:spPr>
+        <p:txBody>
+          <a:bodyPr wrap="square">
+            <a:spAutoFit/>
+          </a:bodyPr>
+          <a:lstStyle/>
+          <a:p>
+            <a:r>
+              <a:rPr lang="es-PE" dirty="0">
+                <a:hlinkClick r:id="rId3"/>
+              </a:rPr>
+              <a:t>http://localhost/lluvias_extremas/index3.html</a:t>
+            </a:r>
+            <a:r>
+              <a:rPr lang="es-PE" dirty="0"/>
+              <a:t> </a:t>
+            </a:r>
+          </a:p>
+        </p:txBody>
+      </p:sp>
+    </p:spTree>
+    <p:extLst>
+      <p:ext uri="{BB962C8B-B14F-4D97-AF65-F5344CB8AC3E}">
+        <p14:creationId xmlns:p14="http://schemas.microsoft.com/office/powerpoint/2010/main" val="3972024065"/>
       </p:ext>
     </p:extLst>
   </p:cSld>
